--- a/OBSERVACIONES JYG PARTE 2.pptx
+++ b/OBSERVACIONES JYG PARTE 2.pptx
@@ -11,6 +11,7 @@
     <p:sldId id="258" r:id="rId5"/>
     <p:sldId id="259" r:id="rId6"/>
     <p:sldId id="261" r:id="rId7"/>
+    <p:sldId id="262" r:id="rId8"/>
   </p:sldIdLst>
   <p:sldSz cx="12192000" cy="6858000"/>
   <p:notesSz cx="6858000" cy="9144000"/>
@@ -266,7 +267,7 @@
           <a:p>
             <a:fld id="{2E8FDE1F-AF14-48DA-8730-9F7C9C35A0F3}" type="datetimeFigureOut">
               <a:rPr lang="es-MX" smtClean="0"/>
-              <a:t>19/08/2019</a:t>
+              <a:t>21/08/2019</a:t>
             </a:fld>
             <a:endParaRPr lang="es-MX"/>
           </a:p>
@@ -466,7 +467,7 @@
           <a:p>
             <a:fld id="{2E8FDE1F-AF14-48DA-8730-9F7C9C35A0F3}" type="datetimeFigureOut">
               <a:rPr lang="es-MX" smtClean="0"/>
-              <a:t>19/08/2019</a:t>
+              <a:t>21/08/2019</a:t>
             </a:fld>
             <a:endParaRPr lang="es-MX"/>
           </a:p>
@@ -676,7 +677,7 @@
           <a:p>
             <a:fld id="{2E8FDE1F-AF14-48DA-8730-9F7C9C35A0F3}" type="datetimeFigureOut">
               <a:rPr lang="es-MX" smtClean="0"/>
-              <a:t>19/08/2019</a:t>
+              <a:t>21/08/2019</a:t>
             </a:fld>
             <a:endParaRPr lang="es-MX"/>
           </a:p>
@@ -876,7 +877,7 @@
           <a:p>
             <a:fld id="{2E8FDE1F-AF14-48DA-8730-9F7C9C35A0F3}" type="datetimeFigureOut">
               <a:rPr lang="es-MX" smtClean="0"/>
-              <a:t>19/08/2019</a:t>
+              <a:t>21/08/2019</a:t>
             </a:fld>
             <a:endParaRPr lang="es-MX"/>
           </a:p>
@@ -1152,7 +1153,7 @@
           <a:p>
             <a:fld id="{2E8FDE1F-AF14-48DA-8730-9F7C9C35A0F3}" type="datetimeFigureOut">
               <a:rPr lang="es-MX" smtClean="0"/>
-              <a:t>19/08/2019</a:t>
+              <a:t>21/08/2019</a:t>
             </a:fld>
             <a:endParaRPr lang="es-MX"/>
           </a:p>
@@ -1420,7 +1421,7 @@
           <a:p>
             <a:fld id="{2E8FDE1F-AF14-48DA-8730-9F7C9C35A0F3}" type="datetimeFigureOut">
               <a:rPr lang="es-MX" smtClean="0"/>
-              <a:t>19/08/2019</a:t>
+              <a:t>21/08/2019</a:t>
             </a:fld>
             <a:endParaRPr lang="es-MX"/>
           </a:p>
@@ -1835,7 +1836,7 @@
           <a:p>
             <a:fld id="{2E8FDE1F-AF14-48DA-8730-9F7C9C35A0F3}" type="datetimeFigureOut">
               <a:rPr lang="es-MX" smtClean="0"/>
-              <a:t>19/08/2019</a:t>
+              <a:t>21/08/2019</a:t>
             </a:fld>
             <a:endParaRPr lang="es-MX"/>
           </a:p>
@@ -1977,7 +1978,7 @@
           <a:p>
             <a:fld id="{2E8FDE1F-AF14-48DA-8730-9F7C9C35A0F3}" type="datetimeFigureOut">
               <a:rPr lang="es-MX" smtClean="0"/>
-              <a:t>19/08/2019</a:t>
+              <a:t>21/08/2019</a:t>
             </a:fld>
             <a:endParaRPr lang="es-MX"/>
           </a:p>
@@ -2090,7 +2091,7 @@
           <a:p>
             <a:fld id="{2E8FDE1F-AF14-48DA-8730-9F7C9C35A0F3}" type="datetimeFigureOut">
               <a:rPr lang="es-MX" smtClean="0"/>
-              <a:t>19/08/2019</a:t>
+              <a:t>21/08/2019</a:t>
             </a:fld>
             <a:endParaRPr lang="es-MX"/>
           </a:p>
@@ -2403,7 +2404,7 @@
           <a:p>
             <a:fld id="{2E8FDE1F-AF14-48DA-8730-9F7C9C35A0F3}" type="datetimeFigureOut">
               <a:rPr lang="es-MX" smtClean="0"/>
-              <a:t>19/08/2019</a:t>
+              <a:t>21/08/2019</a:t>
             </a:fld>
             <a:endParaRPr lang="es-MX"/>
           </a:p>
@@ -2692,7 +2693,7 @@
           <a:p>
             <a:fld id="{2E8FDE1F-AF14-48DA-8730-9F7C9C35A0F3}" type="datetimeFigureOut">
               <a:rPr lang="es-MX" smtClean="0"/>
-              <a:t>19/08/2019</a:t>
+              <a:t>21/08/2019</a:t>
             </a:fld>
             <a:endParaRPr lang="es-MX"/>
           </a:p>
@@ -2935,7 +2936,7 @@
           <a:p>
             <a:fld id="{2E8FDE1F-AF14-48DA-8730-9F7C9C35A0F3}" type="datetimeFigureOut">
               <a:rPr lang="es-MX" smtClean="0"/>
-              <a:t>19/08/2019</a:t>
+              <a:t>21/08/2019</a:t>
             </a:fld>
             <a:endParaRPr lang="es-MX"/>
           </a:p>
@@ -3806,6 +3807,179 @@
 </p:sld>
 </file>
 
+<file path=ppt/slides/slide7.xml><?xml version="1.0" encoding="utf-8"?>
+<p:sld xmlns:a="http://schemas.openxmlformats.org/drawingml/2006/main" xmlns:r="http://schemas.openxmlformats.org/officeDocument/2006/relationships" xmlns:p="http://schemas.openxmlformats.org/presentationml/2006/main">
+  <p:cSld>
+    <p:spTree>
+      <p:nvGrpSpPr>
+        <p:cNvPr id="1" name=""/>
+        <p:cNvGrpSpPr/>
+        <p:nvPr/>
+      </p:nvGrpSpPr>
+      <p:grpSpPr>
+        <a:xfrm>
+          <a:off x="0" y="0"/>
+          <a:ext cx="0" cy="0"/>
+          <a:chOff x="0" y="0"/>
+          <a:chExt cx="0" cy="0"/>
+        </a:xfrm>
+      </p:grpSpPr>
+      <p:pic>
+        <p:nvPicPr>
+          <p:cNvPr id="2" name="Imagen 1">
+            <a:extLst>
+              <a:ext uri="{FF2B5EF4-FFF2-40B4-BE49-F238E27FC236}">
+                <a16:creationId xmlns:a16="http://schemas.microsoft.com/office/drawing/2014/main" id="{32FAF61D-0F1A-41DB-8873-B5871866EDCD}"/>
+              </a:ext>
+            </a:extLst>
+          </p:cNvPr>
+          <p:cNvPicPr>
+            <a:picLocks noChangeAspect="1"/>
+          </p:cNvPicPr>
+          <p:nvPr/>
+        </p:nvPicPr>
+        <p:blipFill>
+          <a:blip r:embed="rId2"/>
+          <a:stretch>
+            <a:fillRect/>
+          </a:stretch>
+        </p:blipFill>
+        <p:spPr>
+          <a:xfrm>
+            <a:off x="0" y="4267505"/>
+            <a:ext cx="12192000" cy="1611476"/>
+          </a:xfrm>
+          <a:prstGeom prst="rect">
+            <a:avLst/>
+          </a:prstGeom>
+        </p:spPr>
+      </p:pic>
+      <p:sp>
+        <p:nvSpPr>
+          <p:cNvPr id="3" name="CuadroTexto 2">
+            <a:extLst>
+              <a:ext uri="{FF2B5EF4-FFF2-40B4-BE49-F238E27FC236}">
+                <a16:creationId xmlns:a16="http://schemas.microsoft.com/office/drawing/2014/main" id="{23035CDD-633D-4989-87CD-801C81391FA8}"/>
+              </a:ext>
+            </a:extLst>
+          </p:cNvPr>
+          <p:cNvSpPr txBox="1"/>
+          <p:nvPr/>
+        </p:nvSpPr>
+        <p:spPr>
+          <a:xfrm>
+            <a:off x="830510" y="3105834"/>
+            <a:ext cx="9956380" cy="646331"/>
+          </a:xfrm>
+          <a:prstGeom prst="rect">
+            <a:avLst/>
+          </a:prstGeom>
+          <a:noFill/>
+        </p:spPr>
+        <p:txBody>
+          <a:bodyPr wrap="none" rtlCol="0">
+            <a:spAutoFit/>
+          </a:bodyPr>
+          <a:lstStyle/>
+          <a:p>
+            <a:r>
+              <a:rPr lang="es-MX" dirty="0"/>
+              <a:t>anexar los montos de las operaciones por mes en esta grafica para que puedan compararse con las metas</a:t>
+            </a:r>
+          </a:p>
+          <a:p>
+            <a:r>
+              <a:rPr lang="es-MX" dirty="0"/>
+              <a:t>Del mes</a:t>
+            </a:r>
+          </a:p>
+        </p:txBody>
+      </p:sp>
+      <p:pic>
+        <p:nvPicPr>
+          <p:cNvPr id="4" name="Imagen 3">
+            <a:extLst>
+              <a:ext uri="{FF2B5EF4-FFF2-40B4-BE49-F238E27FC236}">
+                <a16:creationId xmlns:a16="http://schemas.microsoft.com/office/drawing/2014/main" id="{9E8804F4-A864-4D61-9B1E-18FE58A6DB65}"/>
+              </a:ext>
+            </a:extLst>
+          </p:cNvPr>
+          <p:cNvPicPr>
+            <a:picLocks noChangeAspect="1"/>
+          </p:cNvPicPr>
+          <p:nvPr/>
+        </p:nvPicPr>
+        <p:blipFill>
+          <a:blip r:embed="rId3"/>
+          <a:stretch>
+            <a:fillRect/>
+          </a:stretch>
+        </p:blipFill>
+        <p:spPr>
+          <a:xfrm>
+            <a:off x="0" y="979019"/>
+            <a:ext cx="12192000" cy="1212108"/>
+          </a:xfrm>
+          <a:prstGeom prst="rect">
+            <a:avLst/>
+          </a:prstGeom>
+        </p:spPr>
+      </p:pic>
+      <p:cxnSp>
+        <p:nvCxnSpPr>
+          <p:cNvPr id="6" name="Conector recto de flecha 5">
+            <a:extLst>
+              <a:ext uri="{FF2B5EF4-FFF2-40B4-BE49-F238E27FC236}">
+                <a16:creationId xmlns:a16="http://schemas.microsoft.com/office/drawing/2014/main" id="{B38ECDE7-8545-4AAC-A2EC-F24F92A073D3}"/>
+              </a:ext>
+            </a:extLst>
+          </p:cNvPr>
+          <p:cNvCxnSpPr/>
+          <p:nvPr/>
+        </p:nvCxnSpPr>
+        <p:spPr>
+          <a:xfrm>
+            <a:off x="4857226" y="3816991"/>
+            <a:ext cx="453005" cy="450514"/>
+          </a:xfrm>
+          <a:prstGeom prst="straightConnector1">
+            <a:avLst/>
+          </a:prstGeom>
+          <a:ln>
+            <a:solidFill>
+              <a:srgbClr val="FF0000"/>
+            </a:solidFill>
+            <a:tailEnd type="triangle"/>
+          </a:ln>
+        </p:spPr>
+        <p:style>
+          <a:lnRef idx="1">
+            <a:schemeClr val="accent1"/>
+          </a:lnRef>
+          <a:fillRef idx="0">
+            <a:schemeClr val="accent1"/>
+          </a:fillRef>
+          <a:effectRef idx="0">
+            <a:schemeClr val="accent1"/>
+          </a:effectRef>
+          <a:fontRef idx="minor">
+            <a:schemeClr val="tx1"/>
+          </a:fontRef>
+        </p:style>
+      </p:cxnSp>
+    </p:spTree>
+    <p:extLst>
+      <p:ext uri="{BB962C8B-B14F-4D97-AF65-F5344CB8AC3E}">
+        <p14:creationId xmlns:p14="http://schemas.microsoft.com/office/powerpoint/2010/main" val="2081332479"/>
+      </p:ext>
+    </p:extLst>
+  </p:cSld>
+  <p:clrMapOvr>
+    <a:masterClrMapping/>
+  </p:clrMapOvr>
+</p:sld>
+</file>
+
 <file path=ppt/theme/theme1.xml><?xml version="1.0" encoding="utf-8"?>
 <a:theme xmlns:a="http://schemas.openxmlformats.org/drawingml/2006/main" name="Tema de Office">
   <a:themeElements>
